--- a/cycada.pptx
+++ b/cycada.pptx
@@ -295,7 +295,7 @@
             <a:fld id="{3FD127D7-3E5F-4687-A711-A9A97EBDE86C}" type="datetimeFigureOut">
               <a:rPr kumimoji="1" lang="ja-JP" altLang="en-US" smtClean="0"/>
               <a:pPr/>
-              <a:t>2018/7/15</a:t>
+              <a:t>2018/7/18</a:t>
             </a:fld>
             <a:endParaRPr kumimoji="1" lang="ja-JP" altLang="en-US"/>
           </a:p>
@@ -462,7 +462,7 @@
             <a:fld id="{DFCC6AE9-37A0-442D-9AA9-559E68639AC4}" type="datetimeFigureOut">
               <a:rPr kumimoji="1" lang="ja-JP" altLang="en-US" smtClean="0"/>
               <a:pPr/>
-              <a:t>2018/7/15</a:t>
+              <a:t>2018/7/18</a:t>
             </a:fld>
             <a:endParaRPr kumimoji="1" lang="ja-JP" altLang="en-US"/>
           </a:p>
@@ -773,7 +773,7 @@
           <a:graphicData uri="http://schemas.openxmlformats.org/presentationml/2006/ole">
             <mc:AlternateContent xmlns:mc="http://schemas.openxmlformats.org/markup-compatibility/2006">
               <mc:Choice xmlns:v="urn:schemas-microsoft-com:vml" Requires="v">
-                <p:oleObj spid="_x0000_s6105" name="think-cell Slide" r:id="rId5" imgW="473" imgH="473" progId="TCLayout.ActiveDocument.1">
+                <p:oleObj spid="_x0000_s6106" name="think-cell Slide" r:id="rId5" imgW="473" imgH="473" progId="TCLayout.ActiveDocument.1">
                   <p:embed/>
                 </p:oleObj>
               </mc:Choice>
@@ -1153,7 +1153,7 @@
           <a:graphicData uri="http://schemas.openxmlformats.org/presentationml/2006/ole">
             <mc:AlternateContent xmlns:mc="http://schemas.openxmlformats.org/markup-compatibility/2006">
               <mc:Choice xmlns:v="urn:schemas-microsoft-com:vml" Requires="v">
-                <p:oleObj spid="_x0000_s9566" name="think-cell Slide" r:id="rId7" imgW="360" imgH="360" progId="TCLayout.ActiveDocument.1">
+                <p:oleObj spid="_x0000_s9567" name="think-cell Slide" r:id="rId7" imgW="360" imgH="360" progId="TCLayout.ActiveDocument.1">
                   <p:embed/>
                 </p:oleObj>
               </mc:Choice>
@@ -2585,12 +2585,12 @@
           <a:lstStyle/>
           <a:p>
             <a:r>
-              <a:rPr lang="ja-JP" altLang="en-US" dirty="0">
+              <a:rPr lang="ja-JP" altLang="en-US" sz="2400" dirty="0">
                 <a:latin typeface="+mn-lt"/>
               </a:rPr>
               <a:t>モデルの全体像</a:t>
             </a:r>
-            <a:endParaRPr kumimoji="1" lang="ja-JP" altLang="en-US" dirty="0">
+            <a:endParaRPr kumimoji="1" lang="ja-JP" altLang="en-US" sz="2400" dirty="0">
               <a:latin typeface="+mn-lt"/>
             </a:endParaRPr>
           </a:p>
